--- a/Lecture Notes-Slides/Lecture 2 - Introduction - Part 2.pptx
+++ b/Lecture Notes-Slides/Lecture 2 - Introduction - Part 2.pptx
@@ -236,7 +236,7 @@
           <a:p>
             <a:fld id="{31233723-98F8-A246-9BEA-F03C47D56D98}" type="datetimeFigureOut">
               <a:rPr lang="en-US" smtClean="0"/>
-              <a:t>6/15/16</a:t>
+              <a:t>6/16/16</a:t>
             </a:fld>
             <a:endParaRPr lang="en-US"/>
           </a:p>
@@ -4310,7 +4310,7 @@
           <a:p>
             <a:fld id="{24CE949D-F23B-454F-A369-E9C62A15834A}" type="datetimeFigureOut">
               <a:rPr lang="en-US" smtClean="0"/>
-              <a:t>6/15/16</a:t>
+              <a:t>6/16/16</a:t>
             </a:fld>
             <a:endParaRPr lang="en-US"/>
           </a:p>
@@ -4475,7 +4475,7 @@
           <a:p>
             <a:fld id="{24CE949D-F23B-454F-A369-E9C62A15834A}" type="datetimeFigureOut">
               <a:rPr lang="en-US" smtClean="0"/>
-              <a:t>6/15/16</a:t>
+              <a:t>6/16/16</a:t>
             </a:fld>
             <a:endParaRPr lang="en-US"/>
           </a:p>
@@ -4650,7 +4650,7 @@
           <a:p>
             <a:fld id="{24CE949D-F23B-454F-A369-E9C62A15834A}" type="datetimeFigureOut">
               <a:rPr lang="en-US" smtClean="0"/>
-              <a:t>6/15/16</a:t>
+              <a:t>6/16/16</a:t>
             </a:fld>
             <a:endParaRPr lang="en-US"/>
           </a:p>
@@ -5142,7 +5142,7 @@
           <a:p>
             <a:fld id="{24CE949D-F23B-454F-A369-E9C62A15834A}" type="datetimeFigureOut">
               <a:rPr lang="en-US" smtClean="0"/>
-              <a:t>6/15/16</a:t>
+              <a:t>6/16/16</a:t>
             </a:fld>
             <a:endParaRPr lang="en-US"/>
           </a:p>
@@ -5383,7 +5383,7 @@
           <a:p>
             <a:fld id="{24CE949D-F23B-454F-A369-E9C62A15834A}" type="datetimeFigureOut">
               <a:rPr lang="en-US" smtClean="0"/>
-              <a:t>6/15/16</a:t>
+              <a:t>6/16/16</a:t>
             </a:fld>
             <a:endParaRPr lang="en-US"/>
           </a:p>
@@ -5666,7 +5666,7 @@
           <a:p>
             <a:fld id="{24CE949D-F23B-454F-A369-E9C62A15834A}" type="datetimeFigureOut">
               <a:rPr lang="en-US" smtClean="0"/>
-              <a:t>6/15/16</a:t>
+              <a:t>6/16/16</a:t>
             </a:fld>
             <a:endParaRPr lang="en-US"/>
           </a:p>
@@ -6095,7 +6095,7 @@
           <a:p>
             <a:fld id="{24CE949D-F23B-454F-A369-E9C62A15834A}" type="datetimeFigureOut">
               <a:rPr lang="en-US" smtClean="0"/>
-              <a:t>6/15/16</a:t>
+              <a:t>6/16/16</a:t>
             </a:fld>
             <a:endParaRPr lang="en-US"/>
           </a:p>
@@ -6208,7 +6208,7 @@
           <a:p>
             <a:fld id="{24CE949D-F23B-454F-A369-E9C62A15834A}" type="datetimeFigureOut">
               <a:rPr lang="en-US" smtClean="0"/>
-              <a:t>6/15/16</a:t>
+              <a:t>6/16/16</a:t>
             </a:fld>
             <a:endParaRPr lang="en-US"/>
           </a:p>
@@ -6298,7 +6298,7 @@
           <a:p>
             <a:fld id="{24CE949D-F23B-454F-A369-E9C62A15834A}" type="datetimeFigureOut">
               <a:rPr lang="en-US" smtClean="0"/>
-              <a:t>6/15/16</a:t>
+              <a:t>6/16/16</a:t>
             </a:fld>
             <a:endParaRPr lang="en-US"/>
           </a:p>
@@ -6487,7 +6487,7 @@
           <a:p>
             <a:fld id="{24CE949D-F23B-454F-A369-E9C62A15834A}" type="datetimeFigureOut">
               <a:rPr lang="en-US" smtClean="0"/>
-              <a:t>6/15/16</a:t>
+              <a:t>6/16/16</a:t>
             </a:fld>
             <a:endParaRPr lang="en-US"/>
           </a:p>
@@ -6805,7 +6805,7 @@
           <a:p>
             <a:fld id="{24CE949D-F23B-454F-A369-E9C62A15834A}" type="datetimeFigureOut">
               <a:rPr lang="en-US" smtClean="0"/>
-              <a:t>6/15/16</a:t>
+              <a:t>6/16/16</a:t>
             </a:fld>
             <a:endParaRPr lang="en-US"/>
           </a:p>
@@ -7184,7 +7184,7 @@
           <a:p>
             <a:fld id="{24CE949D-F23B-454F-A369-E9C62A15834A}" type="datetimeFigureOut">
               <a:rPr lang="en-US" smtClean="0"/>
-              <a:t>6/15/16</a:t>
+              <a:t>6/16/16</a:t>
             </a:fld>
             <a:endParaRPr lang="en-US"/>
           </a:p>
@@ -7549,8 +7549,17 @@
           <a:p>
             <a:r>
               <a:rPr lang="en-US" dirty="0" smtClean="0"/>
-              <a:t>General Assembly Lecture 3</a:t>
-            </a:r>
+              <a:t>General Assembly </a:t>
+            </a:r>
+            <a:r>
+              <a:rPr lang="en-US" smtClean="0"/>
+              <a:t>Lecture </a:t>
+            </a:r>
+            <a:r>
+              <a:rPr lang="en-US"/>
+              <a:t>2</a:t>
+            </a:r>
+            <a:endParaRPr lang="en-US" dirty="0" smtClean="0"/>
           </a:p>
           <a:p>
             <a:r>
